--- a/Project 1 Powerpoint Final2.pptx
+++ b/Project 1 Powerpoint Final2.pptx
@@ -8067,8 +8067,13 @@
             </a:pPr>
             <a:r>
               <a:rPr lang="en-US" sz="2200" dirty="0"/>
-              <a:t>The Analysis of Variance Test (ANOVA) was performed on the Math and Reading Scores for both 4th grade and 8th grade across the regions. It is observed that the p-values that were computed from the ANOVA test for Math Grade 4 and Grade 8 comes out to be 6.76 e -05 and 2.07 e -05 where as the Reading Grade 4 and Grade 8 p-value scores are 0.0001 and 0.57 across regions.  This demonstrates that the Reading scores have statistically significant differences among the regions, whereas the Math scores do not portray statistical significant difference.</a:t>
-            </a:r>
+              <a:t>The Analysis of Variance Test (ANOVA) was performed on the Math and Reading Scores for both 4th grade and 8th grade across the regions. It is observed that the p-values that were computed from the ANOVA test for Math Grade 4 and Grade 8 comes out to be 6.76 e -05 and 2.07 e -05 where as the Reading Grade 4 and Grade 8 p-value scores are 0.0001 and 0.57 across regions.  This demonstrates that the Math scores are more statistically significant than the reading scores among </a:t>
+            </a:r>
+            <a:r>
+              <a:rPr lang="en-US" sz="2200"/>
+              <a:t>the regions.</a:t>
+            </a:r>
+            <a:endParaRPr lang="en-US" sz="2200" dirty="0"/>
           </a:p>
         </p:txBody>
       </p:sp>
